--- a/results/m01-basic-program.pptx
+++ b/results/m01-basic-program.pptx
@@ -5,7 +5,7 @@
     <p:sldMasterId id="2147483648" r:id="rId1"/>
   </p:sldMasterIdLst>
   <p:notesMasterIdLst>
-    <p:NotesMasterId r:id="rId11"/>
+    <p:NotesMasterId r:id="rId15"/>
   </p:notesMasterIdLst>
   <p:sldIdLst>
     <p:sldId id="256" r:id="rId2"/>
@@ -17,6 +17,10 @@
     <p:sldId id="262" r:id="rId8"/>
     <p:sldId id="263" r:id="rId9"/>
     <p:sldId id="264" r:id="rId10"/>
+    <p:sldId id="265" r:id="rId11"/>
+    <p:sldId id="266" r:id="rId12"/>
+    <p:sldId id="267" r:id="rId13"/>
+    <p:sldId id="268" r:id="rId14"/>
   </p:sldIdLst>
   <p:sldSz cx="9144000" cy="6858000" type="screen4x3"/>
   <p:notesSz cx="6858000" cy="9144000"/>
@@ -2542,6 +2546,1644 @@
             <a:fld id="{18BDFEC3-8487-43E8-A154-7C12CBC1FFF2}" type="slidenum">
               <a:rPr lang="en-US"/>
               <a:t>4</a:t>
+            </a:fld>
+            <a:endParaRPr lang="en-US"/>
+          </a:p>
+        </p:txBody>
+      </p:sp>
+    </p:spTree>
+  </p:cSld>
+</p:notes>
+</file>
+
+<file path=ppt/notesSlides/notesSlide4.xml><?xml version="1.0" encoding="utf-8"?>
+<p:notes xmlns:a="http://schemas.openxmlformats.org/drawingml/2006/main" xmlns:r="http://schemas.openxmlformats.org/officeDocument/2006/relationships" xmlns:p="http://schemas.openxmlformats.org/presentationml/2006/main">
+  <p:cSld>
+    <p:spTree>
+      <p:nvGrpSpPr>
+        <p:cNvPr id="1" name=""/>
+        <p:cNvGrpSpPr/>
+        <p:nvPr/>
+      </p:nvGrpSpPr>
+      <p:grpSpPr>
+        <a:xfrm>
+          <a:off x="0" y="0"/>
+          <a:ext cx="0" cy="0"/>
+          <a:chOff x="0" y="0"/>
+          <a:chExt cx="0" cy="0"/>
+        </a:xfrm>
+      </p:grpSpPr>
+      <p:sp>
+        <p:nvSpPr>
+          <p:cNvPr id="2" name="Slide Image Placeholder 1"/>
+          <p:cNvSpPr>
+            <a:spLocks noGrp="1" noRot="1" noChangeAspect="1"/>
+          </p:cNvSpPr>
+          <p:nvPr>
+            <p:ph type="sldImg"/>
+          </p:nvPr>
+        </p:nvSpPr>
+        <p:spPr/>
+      </p:sp>
+      <p:sp>
+        <p:nvSpPr>
+          <p:cNvPr id="3" name="Notes Placeholder 2"/>
+          <p:cNvSpPr>
+            <a:spLocks noGrp="1"/>
+          </p:cNvSpPr>
+          <p:nvPr>
+            <p:ph type="body" idx="1"/>
+          </p:nvPr>
+        </p:nvSpPr>
+        <p:spPr/>
+        <p:txBody>
+          <a:bodyPr/>
+          <a:lstStyle/>
+          <a:p>
+            <a:pPr lvl="0" marL="0" indent="0">
+              <a:buNone/>
+            </a:pPr>
+            <a:r>
+              <a:rPr/>
+              <a:t>Let’s</a:t>
+            </a:r>
+            <a:r>
+              <a:rPr/>
+              <a:t> </a:t>
+            </a:r>
+            <a:r>
+              <a:rPr/>
+              <a:t>look</a:t>
+            </a:r>
+            <a:r>
+              <a:rPr/>
+              <a:t> </a:t>
+            </a:r>
+            <a:r>
+              <a:rPr/>
+              <a:t>at</a:t>
+            </a:r>
+            <a:r>
+              <a:rPr/>
+              <a:t> </a:t>
+            </a:r>
+            <a:r>
+              <a:rPr/>
+              <a:t>a</a:t>
+            </a:r>
+            <a:r>
+              <a:rPr/>
+              <a:t> </a:t>
+            </a:r>
+            <a:r>
+              <a:rPr/>
+              <a:t>modified</a:t>
+            </a:r>
+            <a:r>
+              <a:rPr/>
+              <a:t> </a:t>
+            </a:r>
+            <a:r>
+              <a:rPr/>
+              <a:t>program</a:t>
+            </a:r>
+            <a:r>
+              <a:rPr/>
+              <a:t> </a:t>
+            </a:r>
+            <a:r>
+              <a:rPr/>
+              <a:t>that</a:t>
+            </a:r>
+            <a:r>
+              <a:rPr/>
+              <a:t> </a:t>
+            </a:r>
+            <a:r>
+              <a:rPr/>
+              <a:t>stores</a:t>
+            </a:r>
+            <a:r>
+              <a:rPr/>
+              <a:t> </a:t>
+            </a:r>
+            <a:r>
+              <a:rPr/>
+              <a:t>the</a:t>
+            </a:r>
+            <a:r>
+              <a:rPr/>
+              <a:t> </a:t>
+            </a:r>
+            <a:r>
+              <a:rPr/>
+              <a:t>data</a:t>
+            </a:r>
+            <a:r>
+              <a:rPr/>
+              <a:t> </a:t>
+            </a:r>
+            <a:r>
+              <a:rPr/>
+              <a:t>in</a:t>
+            </a:r>
+            <a:r>
+              <a:rPr/>
+              <a:t> </a:t>
+            </a:r>
+            <a:r>
+              <a:rPr/>
+              <a:t>a</a:t>
+            </a:r>
+            <a:r>
+              <a:rPr/>
+              <a:t> </a:t>
+            </a:r>
+            <a:r>
+              <a:rPr/>
+              <a:t>permanent</a:t>
+            </a:r>
+            <a:r>
+              <a:rPr/>
+              <a:t> </a:t>
+            </a:r>
+            <a:r>
+              <a:rPr/>
+              <a:t>location.</a:t>
+            </a:r>
+          </a:p>
+          <a:p>
+            <a:pPr lvl="0" marL="0" indent="0">
+              <a:buNone/>
+            </a:pPr>
+          </a:p>
+          <a:p>
+            <a:pPr lvl="0" marL="0" indent="0">
+              <a:buNone/>
+            </a:pPr>
+            <a:r>
+              <a:rPr/>
+              <a:t>Here</a:t>
+            </a:r>
+            <a:r>
+              <a:rPr/>
+              <a:t> </a:t>
+            </a:r>
+            <a:r>
+              <a:rPr/>
+              <a:t>is</a:t>
+            </a:r>
+            <a:r>
+              <a:rPr/>
+              <a:t> </a:t>
+            </a:r>
+            <a:r>
+              <a:rPr/>
+              <a:t>the</a:t>
+            </a:r>
+            <a:r>
+              <a:rPr/>
+              <a:t> </a:t>
+            </a:r>
+            <a:r>
+              <a:rPr/>
+              <a:t>documentation</a:t>
+            </a:r>
+            <a:r>
+              <a:rPr/>
+              <a:t> </a:t>
+            </a:r>
+            <a:r>
+              <a:rPr/>
+              <a:t>header.</a:t>
+            </a:r>
+            <a:r>
+              <a:rPr/>
+              <a:t> </a:t>
+            </a:r>
+            <a:r>
+              <a:rPr/>
+              <a:t>No</a:t>
+            </a:r>
+            <a:r>
+              <a:rPr/>
+              <a:t> </a:t>
+            </a:r>
+            <a:r>
+              <a:rPr/>
+              <a:t>big</a:t>
+            </a:r>
+            <a:r>
+              <a:rPr/>
+              <a:t> </a:t>
+            </a:r>
+            <a:r>
+              <a:rPr/>
+              <a:t>changes</a:t>
+            </a:r>
+            <a:r>
+              <a:rPr/>
+              <a:t> </a:t>
+            </a:r>
+            <a:r>
+              <a:rPr/>
+              <a:t>here</a:t>
+            </a:r>
+            <a:r>
+              <a:rPr/>
+              <a:t> </a:t>
+            </a:r>
+            <a:r>
+              <a:rPr/>
+              <a:t>other</a:t>
+            </a:r>
+            <a:r>
+              <a:rPr/>
+              <a:t> </a:t>
+            </a:r>
+            <a:r>
+              <a:rPr/>
+              <a:t>than</a:t>
+            </a:r>
+            <a:r>
+              <a:rPr/>
+              <a:t> </a:t>
+            </a:r>
+            <a:r>
+              <a:rPr/>
+              <a:t>the</a:t>
+            </a:r>
+            <a:r>
+              <a:rPr/>
+              <a:t> </a:t>
+            </a:r>
+            <a:r>
+              <a:rPr/>
+              <a:t>name</a:t>
+            </a:r>
+            <a:r>
+              <a:rPr/>
+              <a:t> </a:t>
+            </a:r>
+            <a:r>
+              <a:rPr/>
+              <a:t>of</a:t>
+            </a:r>
+            <a:r>
+              <a:rPr/>
+              <a:t> </a:t>
+            </a:r>
+            <a:r>
+              <a:rPr/>
+              <a:t>the</a:t>
+            </a:r>
+            <a:r>
+              <a:rPr/>
+              <a:t> </a:t>
+            </a:r>
+            <a:r>
+              <a:rPr/>
+              <a:t>program</a:t>
+            </a:r>
+            <a:r>
+              <a:rPr/>
+              <a:t> </a:t>
+            </a:r>
+            <a:r>
+              <a:rPr/>
+              <a:t>and</a:t>
+            </a:r>
+            <a:r>
+              <a:rPr/>
+              <a:t> </a:t>
+            </a:r>
+            <a:r>
+              <a:rPr/>
+              <a:t>the</a:t>
+            </a:r>
+            <a:r>
+              <a:rPr/>
+              <a:t> </a:t>
+            </a:r>
+            <a:r>
+              <a:rPr/>
+              <a:t>purpose.</a:t>
+            </a:r>
+          </a:p>
+        </p:txBody>
+      </p:sp>
+      <p:sp>
+        <p:nvSpPr>
+          <p:cNvPr id="4" name="Slide Number Placeholder 3"/>
+          <p:cNvSpPr>
+            <a:spLocks noGrp="1"/>
+          </p:cNvSpPr>
+          <p:nvPr>
+            <p:ph type="sldNum" sz="quarter" idx="10"/>
+          </p:nvPr>
+        </p:nvSpPr>
+        <p:spPr/>
+        <p:txBody>
+          <a:bodyPr/>
+          <a:lstStyle/>
+          <a:p>
+            <a:fld id="{18BDFEC3-8487-43E8-A154-7C12CBC1FFF2}" type="slidenum">
+              <a:rPr lang="en-US"/>
+              <a:t>6</a:t>
+            </a:fld>
+            <a:endParaRPr lang="en-US"/>
+          </a:p>
+        </p:txBody>
+      </p:sp>
+    </p:spTree>
+  </p:cSld>
+</p:notes>
+</file>
+
+<file path=ppt/notesSlides/notesSlide5.xml><?xml version="1.0" encoding="utf-8"?>
+<p:notes xmlns:a="http://schemas.openxmlformats.org/drawingml/2006/main" xmlns:r="http://schemas.openxmlformats.org/officeDocument/2006/relationships" xmlns:p="http://schemas.openxmlformats.org/presentationml/2006/main">
+  <p:cSld>
+    <p:spTree>
+      <p:nvGrpSpPr>
+        <p:cNvPr id="1" name=""/>
+        <p:cNvGrpSpPr/>
+        <p:nvPr/>
+      </p:nvGrpSpPr>
+      <p:grpSpPr>
+        <a:xfrm>
+          <a:off x="0" y="0"/>
+          <a:ext cx="0" cy="0"/>
+          <a:chOff x="0" y="0"/>
+          <a:chExt cx="0" cy="0"/>
+        </a:xfrm>
+      </p:grpSpPr>
+      <p:sp>
+        <p:nvSpPr>
+          <p:cNvPr id="2" name="Slide Image Placeholder 1"/>
+          <p:cNvSpPr>
+            <a:spLocks noGrp="1" noRot="1" noChangeAspect="1"/>
+          </p:cNvSpPr>
+          <p:nvPr>
+            <p:ph type="sldImg"/>
+          </p:nvPr>
+        </p:nvSpPr>
+        <p:spPr/>
+      </p:sp>
+      <p:sp>
+        <p:nvSpPr>
+          <p:cNvPr id="3" name="Notes Placeholder 2"/>
+          <p:cNvSpPr>
+            <a:spLocks noGrp="1"/>
+          </p:cNvSpPr>
+          <p:nvPr>
+            <p:ph type="body" idx="1"/>
+          </p:nvPr>
+        </p:nvSpPr>
+        <p:spPr/>
+        <p:txBody>
+          <a:bodyPr/>
+          <a:lstStyle/>
+          <a:p>
+            <a:pPr lvl="0" marL="0" indent="0">
+              <a:buNone/>
+            </a:pPr>
+            <a:r>
+              <a:rPr/>
+              <a:t>Notice</a:t>
+            </a:r>
+            <a:r>
+              <a:rPr/>
+              <a:t> </a:t>
+            </a:r>
+            <a:r>
+              <a:rPr/>
+              <a:t>the</a:t>
+            </a:r>
+            <a:r>
+              <a:rPr/>
+              <a:t> </a:t>
+            </a:r>
+            <a:r>
+              <a:rPr/>
+              <a:t>top</a:t>
+            </a:r>
+            <a:r>
+              <a:rPr/>
+              <a:t> </a:t>
+            </a:r>
+            <a:r>
+              <a:rPr/>
+              <a:t>line</a:t>
+            </a:r>
+            <a:r>
+              <a:rPr/>
+              <a:t> </a:t>
+            </a:r>
+            <a:r>
+              <a:rPr/>
+              <a:t>in</a:t>
+            </a:r>
+            <a:r>
+              <a:rPr/>
+              <a:t> </a:t>
+            </a:r>
+            <a:r>
+              <a:rPr/>
+              <a:t>this</a:t>
+            </a:r>
+            <a:r>
+              <a:rPr/>
+              <a:t> </a:t>
+            </a:r>
+            <a:r>
+              <a:rPr/>
+              <a:t>section.</a:t>
+            </a:r>
+            <a:r>
+              <a:rPr/>
+              <a:t> </a:t>
+            </a:r>
+            <a:r>
+              <a:rPr/>
+              <a:t>This</a:t>
+            </a:r>
+            <a:r>
+              <a:rPr/>
+              <a:t> </a:t>
+            </a:r>
+            <a:r>
+              <a:rPr/>
+              <a:t>is</a:t>
+            </a:r>
+            <a:r>
+              <a:rPr/>
+              <a:t> </a:t>
+            </a:r>
+            <a:r>
+              <a:rPr/>
+              <a:t>the</a:t>
+            </a:r>
+            <a:r>
+              <a:rPr/>
+              <a:t> </a:t>
+            </a:r>
+            <a:r>
+              <a:rPr/>
+              <a:t>libname</a:t>
+            </a:r>
+            <a:r>
+              <a:rPr/>
+              <a:t> </a:t>
+            </a:r>
+            <a:r>
+              <a:rPr/>
+              <a:t>statement.</a:t>
+            </a:r>
+            <a:r>
+              <a:rPr/>
+              <a:t> </a:t>
+            </a:r>
+            <a:r>
+              <a:rPr/>
+              <a:t>It</a:t>
+            </a:r>
+            <a:r>
+              <a:rPr/>
+              <a:t> </a:t>
+            </a:r>
+            <a:r>
+              <a:rPr/>
+              <a:t>tells</a:t>
+            </a:r>
+            <a:r>
+              <a:rPr/>
+              <a:t> </a:t>
+            </a:r>
+            <a:r>
+              <a:rPr/>
+              <a:t>SAS</a:t>
+            </a:r>
+            <a:r>
+              <a:rPr/>
+              <a:t> </a:t>
+            </a:r>
+            <a:r>
+              <a:rPr/>
+              <a:t>that</a:t>
+            </a:r>
+            <a:r>
+              <a:rPr/>
+              <a:t> </a:t>
+            </a:r>
+            <a:r>
+              <a:rPr/>
+              <a:t>you</a:t>
+            </a:r>
+            <a:r>
+              <a:rPr/>
+              <a:t> </a:t>
+            </a:r>
+            <a:r>
+              <a:rPr/>
+              <a:t>want</a:t>
+            </a:r>
+            <a:r>
+              <a:rPr/>
+              <a:t> </a:t>
+            </a:r>
+            <a:r>
+              <a:rPr/>
+              <a:t>to</a:t>
+            </a:r>
+            <a:r>
+              <a:rPr/>
+              <a:t> </a:t>
+            </a:r>
+            <a:r>
+              <a:rPr/>
+              <a:t>establish</a:t>
+            </a:r>
+            <a:r>
+              <a:rPr/>
+              <a:t> </a:t>
+            </a:r>
+            <a:r>
+              <a:rPr/>
+              <a:t>a</a:t>
+            </a:r>
+            <a:r>
+              <a:rPr/>
+              <a:t> </a:t>
+            </a:r>
+            <a:r>
+              <a:rPr/>
+              <a:t>permanent</a:t>
+            </a:r>
+            <a:r>
+              <a:rPr/>
+              <a:t> </a:t>
+            </a:r>
+            <a:r>
+              <a:rPr/>
+              <a:t>storage</a:t>
+            </a:r>
+            <a:r>
+              <a:rPr/>
+              <a:t> </a:t>
+            </a:r>
+            <a:r>
+              <a:rPr/>
+              <a:t>location</a:t>
+            </a:r>
+            <a:r>
+              <a:rPr/>
+              <a:t> </a:t>
+            </a:r>
+            <a:r>
+              <a:rPr/>
+              <a:t>at</a:t>
+            </a:r>
+            <a:r>
+              <a:rPr/>
+              <a:t> </a:t>
+            </a:r>
+            <a:r>
+              <a:rPr/>
+              <a:t>../data.</a:t>
+            </a:r>
+            <a:r>
+              <a:rPr/>
+              <a:t> </a:t>
+            </a:r>
+            <a:r>
+              <a:rPr/>
+              <a:t>The</a:t>
+            </a:r>
+            <a:r>
+              <a:rPr/>
+              <a:t> </a:t>
+            </a:r>
+            <a:r>
+              <a:rPr/>
+              <a:t>../data</a:t>
+            </a:r>
+            <a:r>
+              <a:rPr/>
+              <a:t> </a:t>
+            </a:r>
+            <a:r>
+              <a:rPr/>
+              <a:t>tells</a:t>
+            </a:r>
+            <a:r>
+              <a:rPr/>
+              <a:t> </a:t>
+            </a:r>
+            <a:r>
+              <a:rPr/>
+              <a:t>the</a:t>
+            </a:r>
+            <a:r>
+              <a:rPr/>
+              <a:t> </a:t>
+            </a:r>
+            <a:r>
+              <a:rPr/>
+              <a:t>computer</a:t>
+            </a:r>
+            <a:r>
+              <a:rPr/>
+              <a:t> </a:t>
+            </a:r>
+            <a:r>
+              <a:rPr/>
+              <a:t>system</a:t>
+            </a:r>
+            <a:r>
+              <a:rPr/>
+              <a:t> </a:t>
+            </a:r>
+            <a:r>
+              <a:rPr/>
+              <a:t>to</a:t>
+            </a:r>
+            <a:r>
+              <a:rPr/>
+              <a:t> </a:t>
+            </a:r>
+            <a:r>
+              <a:rPr/>
+              <a:t>go</a:t>
+            </a:r>
+            <a:r>
+              <a:rPr/>
+              <a:t> </a:t>
+            </a:r>
+            <a:r>
+              <a:rPr/>
+              <a:t>one</a:t>
+            </a:r>
+            <a:r>
+              <a:rPr/>
+              <a:t> </a:t>
+            </a:r>
+            <a:r>
+              <a:rPr/>
+              <a:t>level</a:t>
+            </a:r>
+            <a:r>
+              <a:rPr/>
+              <a:t> </a:t>
+            </a:r>
+            <a:r>
+              <a:rPr/>
+              <a:t>closer</a:t>
+            </a:r>
+            <a:r>
+              <a:rPr/>
+              <a:t> </a:t>
+            </a:r>
+            <a:r>
+              <a:rPr/>
+              <a:t>to</a:t>
+            </a:r>
+            <a:r>
+              <a:rPr/>
+              <a:t> </a:t>
+            </a:r>
+            <a:r>
+              <a:rPr/>
+              <a:t>the</a:t>
+            </a:r>
+            <a:r>
+              <a:rPr/>
+              <a:t> </a:t>
+            </a:r>
+            <a:r>
+              <a:rPr/>
+              <a:t>root</a:t>
+            </a:r>
+            <a:r>
+              <a:rPr/>
+              <a:t> </a:t>
+            </a:r>
+            <a:r>
+              <a:rPr/>
+              <a:t>directory,</a:t>
+            </a:r>
+            <a:r>
+              <a:rPr/>
+              <a:t> </a:t>
+            </a:r>
+            <a:r>
+              <a:rPr/>
+              <a:t>and</a:t>
+            </a:r>
+            <a:r>
+              <a:rPr/>
+              <a:t> </a:t>
+            </a:r>
+            <a:r>
+              <a:rPr/>
+              <a:t>then</a:t>
+            </a:r>
+            <a:r>
+              <a:rPr/>
+              <a:t> </a:t>
+            </a:r>
+            <a:r>
+              <a:rPr/>
+              <a:t>slide</a:t>
+            </a:r>
+            <a:r>
+              <a:rPr/>
+              <a:t> </a:t>
+            </a:r>
+            <a:r>
+              <a:rPr/>
+              <a:t>into</a:t>
+            </a:r>
+            <a:r>
+              <a:rPr/>
+              <a:t> </a:t>
+            </a:r>
+            <a:r>
+              <a:rPr/>
+              <a:t>the</a:t>
+            </a:r>
+            <a:r>
+              <a:rPr/>
+              <a:t> </a:t>
+            </a:r>
+            <a:r>
+              <a:rPr/>
+              <a:t>data</a:t>
+            </a:r>
+            <a:r>
+              <a:rPr/>
+              <a:t> </a:t>
+            </a:r>
+            <a:r>
+              <a:rPr/>
+              <a:t>subdirectory.</a:t>
+            </a:r>
+          </a:p>
+          <a:p>
+            <a:pPr lvl="0" marL="0" indent="0">
+              <a:buNone/>
+            </a:pPr>
+          </a:p>
+          <a:p>
+            <a:pPr lvl="0" marL="0" indent="0">
+              <a:buNone/>
+            </a:pPr>
+            <a:r>
+              <a:rPr/>
+              <a:t>You</a:t>
+            </a:r>
+            <a:r>
+              <a:rPr/>
+              <a:t> </a:t>
+            </a:r>
+            <a:r>
+              <a:rPr/>
+              <a:t>assign</a:t>
+            </a:r>
+            <a:r>
+              <a:rPr/>
+              <a:t> </a:t>
+            </a:r>
+            <a:r>
+              <a:rPr/>
+              <a:t>a</a:t>
+            </a:r>
+            <a:r>
+              <a:rPr/>
+              <a:t> </a:t>
+            </a:r>
+            <a:r>
+              <a:rPr/>
+              <a:t>brief</a:t>
+            </a:r>
+            <a:r>
+              <a:rPr/>
+              <a:t> </a:t>
+            </a:r>
+            <a:r>
+              <a:rPr/>
+              <a:t>name</a:t>
+            </a:r>
+            <a:r>
+              <a:rPr/>
+              <a:t> </a:t>
+            </a:r>
+            <a:r>
+              <a:rPr/>
+              <a:t>(no</a:t>
+            </a:r>
+            <a:r>
+              <a:rPr/>
+              <a:t> </a:t>
+            </a:r>
+            <a:r>
+              <a:rPr/>
+              <a:t>more</a:t>
+            </a:r>
+            <a:r>
+              <a:rPr/>
+              <a:t> </a:t>
+            </a:r>
+            <a:r>
+              <a:rPr/>
+              <a:t>than</a:t>
+            </a:r>
+            <a:r>
+              <a:rPr/>
+              <a:t> </a:t>
+            </a:r>
+            <a:r>
+              <a:rPr/>
+              <a:t>eight</a:t>
+            </a:r>
+            <a:r>
+              <a:rPr/>
+              <a:t> </a:t>
+            </a:r>
+            <a:r>
+              <a:rPr/>
+              <a:t>characters!)</a:t>
+            </a:r>
+            <a:r>
+              <a:rPr/>
+              <a:t> </a:t>
+            </a:r>
+            <a:r>
+              <a:rPr/>
+              <a:t>to</a:t>
+            </a:r>
+            <a:r>
+              <a:rPr/>
+              <a:t> </a:t>
+            </a:r>
+            <a:r>
+              <a:rPr/>
+              <a:t>this</a:t>
+            </a:r>
+            <a:r>
+              <a:rPr/>
+              <a:t> </a:t>
+            </a:r>
+            <a:r>
+              <a:rPr/>
+              <a:t>location.</a:t>
+            </a:r>
+            <a:r>
+              <a:rPr/>
+              <a:t> </a:t>
+            </a:r>
+            <a:r>
+              <a:rPr/>
+              <a:t>In</a:t>
+            </a:r>
+            <a:r>
+              <a:rPr/>
+              <a:t> </a:t>
+            </a:r>
+            <a:r>
+              <a:rPr/>
+              <a:t>my</a:t>
+            </a:r>
+            <a:r>
+              <a:rPr/>
+              <a:t> </a:t>
+            </a:r>
+            <a:r>
+              <a:rPr/>
+              <a:t>program,</a:t>
+            </a:r>
+            <a:r>
+              <a:rPr/>
+              <a:t> </a:t>
+            </a:r>
+            <a:r>
+              <a:rPr/>
+              <a:t>I</a:t>
+            </a:r>
+            <a:r>
+              <a:rPr/>
+              <a:t> </a:t>
+            </a:r>
+            <a:r>
+              <a:rPr/>
+              <a:t>use</a:t>
+            </a:r>
+            <a:r>
+              <a:rPr/>
+              <a:t> </a:t>
+            </a:r>
+            <a:r>
+              <a:rPr/>
+              <a:t>the</a:t>
+            </a:r>
+            <a:r>
+              <a:rPr/>
+              <a:t> </a:t>
+            </a:r>
+            <a:r>
+              <a:rPr/>
+              <a:t>name</a:t>
+            </a:r>
+            <a:r>
+              <a:rPr/>
+              <a:t> </a:t>
+            </a:r>
+            <a:r>
+              <a:rPr/>
+              <a:t>“</a:t>
+            </a:r>
+            <a:r>
+              <a:rPr/>
+              <a:t>perm</a:t>
+            </a:r>
+            <a:r>
+              <a:rPr/>
+              <a:t>”</a:t>
+            </a:r>
+            <a:r>
+              <a:rPr/>
+              <a:t> </a:t>
+            </a:r>
+            <a:r>
+              <a:rPr/>
+              <a:t>but</a:t>
+            </a:r>
+            <a:r>
+              <a:rPr/>
+              <a:t> </a:t>
+            </a:r>
+            <a:r>
+              <a:rPr/>
+              <a:t>anything</a:t>
+            </a:r>
+            <a:r>
+              <a:rPr/>
+              <a:t> </a:t>
+            </a:r>
+            <a:r>
+              <a:rPr/>
+              <a:t>is</a:t>
+            </a:r>
+            <a:r>
+              <a:rPr/>
+              <a:t> </a:t>
+            </a:r>
+            <a:r>
+              <a:rPr/>
+              <a:t>fine</a:t>
+            </a:r>
+            <a:r>
+              <a:rPr/>
+              <a:t> </a:t>
+            </a:r>
+            <a:r>
+              <a:rPr/>
+              <a:t>here.</a:t>
+            </a:r>
+          </a:p>
+          <a:p>
+            <a:pPr lvl="0" marL="0" indent="0">
+              <a:buNone/>
+            </a:pPr>
+          </a:p>
+          <a:p>
+            <a:pPr lvl="0" marL="0" indent="0">
+              <a:buNone/>
+            </a:pPr>
+            <a:r>
+              <a:rPr/>
+              <a:t>Then</a:t>
+            </a:r>
+            <a:r>
+              <a:rPr/>
+              <a:t> </a:t>
+            </a:r>
+            <a:r>
+              <a:rPr/>
+              <a:t>you</a:t>
+            </a:r>
+            <a:r>
+              <a:rPr/>
+              <a:t> </a:t>
+            </a:r>
+            <a:r>
+              <a:rPr/>
+              <a:t>prefix</a:t>
+            </a:r>
+            <a:r>
+              <a:rPr/>
+              <a:t> </a:t>
+            </a:r>
+            <a:r>
+              <a:rPr/>
+              <a:t>the</a:t>
+            </a:r>
+            <a:r>
+              <a:rPr/>
+              <a:t> </a:t>
+            </a:r>
+            <a:r>
+              <a:rPr/>
+              <a:t>dataset</a:t>
+            </a:r>
+            <a:r>
+              <a:rPr/>
+              <a:t> </a:t>
+            </a:r>
+            <a:r>
+              <a:rPr/>
+              <a:t>name</a:t>
+            </a:r>
+            <a:r>
+              <a:rPr/>
+              <a:t> </a:t>
+            </a:r>
+            <a:r>
+              <a:rPr/>
+              <a:t>simple_example</a:t>
+            </a:r>
+            <a:r>
+              <a:rPr/>
+              <a:t> </a:t>
+            </a:r>
+            <a:r>
+              <a:rPr/>
+              <a:t>with</a:t>
+            </a:r>
+            <a:r>
+              <a:rPr/>
+              <a:t> </a:t>
+            </a:r>
+            <a:r>
+              <a:rPr/>
+              <a:t>the</a:t>
+            </a:r>
+            <a:r>
+              <a:rPr/>
+              <a:t> </a:t>
+            </a:r>
+            <a:r>
+              <a:rPr/>
+              <a:t>libname</a:t>
+            </a:r>
+            <a:r>
+              <a:rPr/>
+              <a:t> </a:t>
+            </a:r>
+            <a:r>
+              <a:rPr/>
+              <a:t>location</a:t>
+            </a:r>
+            <a:r>
+              <a:rPr/>
+              <a:t> </a:t>
+            </a:r>
+            <a:r>
+              <a:rPr/>
+              <a:t>and</a:t>
+            </a:r>
+            <a:r>
+              <a:rPr/>
+              <a:t> </a:t>
+            </a:r>
+            <a:r>
+              <a:rPr/>
+              <a:t>a</a:t>
+            </a:r>
+            <a:r>
+              <a:rPr/>
+              <a:t> </a:t>
+            </a:r>
+            <a:r>
+              <a:rPr/>
+              <a:t>dot.</a:t>
+            </a:r>
+            <a:r>
+              <a:rPr/>
+              <a:t> </a:t>
+            </a:r>
+            <a:r>
+              <a:rPr/>
+              <a:t>This</a:t>
+            </a:r>
+            <a:r>
+              <a:rPr/>
+              <a:t> </a:t>
+            </a:r>
+            <a:r>
+              <a:rPr/>
+              <a:t>is</a:t>
+            </a:r>
+            <a:r>
+              <a:rPr/>
+              <a:t> </a:t>
+            </a:r>
+            <a:r>
+              <a:rPr/>
+              <a:t>called</a:t>
+            </a:r>
+            <a:r>
+              <a:rPr/>
+              <a:t> </a:t>
+            </a:r>
+            <a:r>
+              <a:rPr/>
+              <a:t>a</a:t>
+            </a:r>
+            <a:r>
+              <a:rPr/>
+              <a:t> </a:t>
+            </a:r>
+            <a:r>
+              <a:rPr/>
+              <a:t>two</a:t>
+            </a:r>
+            <a:r>
+              <a:rPr/>
+              <a:t> </a:t>
+            </a:r>
+            <a:r>
+              <a:rPr/>
+              <a:t>part</a:t>
+            </a:r>
+            <a:r>
+              <a:rPr/>
+              <a:t> </a:t>
+            </a:r>
+            <a:r>
+              <a:rPr/>
+              <a:t>name</a:t>
+            </a:r>
+            <a:r>
+              <a:rPr/>
+              <a:t> </a:t>
+            </a:r>
+            <a:r>
+              <a:rPr/>
+              <a:t>by</a:t>
+            </a:r>
+            <a:r>
+              <a:rPr/>
+              <a:t> </a:t>
+            </a:r>
+            <a:r>
+              <a:rPr/>
+              <a:t>SAS.</a:t>
+            </a:r>
+            <a:r>
+              <a:rPr/>
+              <a:t> </a:t>
+            </a:r>
+            <a:r>
+              <a:rPr/>
+              <a:t>The</a:t>
+            </a:r>
+            <a:r>
+              <a:rPr/>
+              <a:t> </a:t>
+            </a:r>
+            <a:r>
+              <a:rPr/>
+              <a:t>first</a:t>
+            </a:r>
+            <a:r>
+              <a:rPr/>
+              <a:t> </a:t>
+            </a:r>
+            <a:r>
+              <a:rPr/>
+              <a:t>part</a:t>
+            </a:r>
+            <a:r>
+              <a:rPr/>
+              <a:t> </a:t>
+            </a:r>
+            <a:r>
+              <a:rPr/>
+              <a:t>gives</a:t>
+            </a:r>
+            <a:r>
+              <a:rPr/>
+              <a:t> </a:t>
+            </a:r>
+            <a:r>
+              <a:rPr/>
+              <a:t>the</a:t>
+            </a:r>
+            <a:r>
+              <a:rPr/>
+              <a:t> </a:t>
+            </a:r>
+            <a:r>
+              <a:rPr/>
+              <a:t>permanent</a:t>
+            </a:r>
+            <a:r>
+              <a:rPr/>
+              <a:t> </a:t>
+            </a:r>
+            <a:r>
+              <a:rPr/>
+              <a:t>location</a:t>
+            </a:r>
+            <a:r>
+              <a:rPr/>
+              <a:t> </a:t>
+            </a:r>
+            <a:r>
+              <a:rPr/>
+              <a:t>folder</a:t>
+            </a:r>
+            <a:r>
+              <a:rPr/>
+              <a:t> </a:t>
+            </a:r>
+            <a:r>
+              <a:rPr/>
+              <a:t>and</a:t>
+            </a:r>
+            <a:r>
+              <a:rPr/>
+              <a:t> </a:t>
+            </a:r>
+            <a:r>
+              <a:rPr/>
+              <a:t>the</a:t>
+            </a:r>
+            <a:r>
+              <a:rPr/>
+              <a:t> </a:t>
+            </a:r>
+            <a:r>
+              <a:rPr/>
+              <a:t>second</a:t>
+            </a:r>
+            <a:r>
+              <a:rPr/>
+              <a:t> </a:t>
+            </a:r>
+            <a:r>
+              <a:rPr/>
+              <a:t>part</a:t>
+            </a:r>
+            <a:r>
+              <a:rPr/>
+              <a:t> </a:t>
+            </a:r>
+            <a:r>
+              <a:rPr/>
+              <a:t>gives</a:t>
+            </a:r>
+            <a:r>
+              <a:rPr/>
+              <a:t> </a:t>
+            </a:r>
+            <a:r>
+              <a:rPr/>
+              <a:t>the</a:t>
+            </a:r>
+            <a:r>
+              <a:rPr/>
+              <a:t> </a:t>
+            </a:r>
+            <a:r>
+              <a:rPr/>
+              <a:t>file</a:t>
+            </a:r>
+            <a:r>
+              <a:rPr/>
+              <a:t> </a:t>
+            </a:r>
+            <a:r>
+              <a:rPr/>
+              <a:t>name.</a:t>
+            </a:r>
+          </a:p>
+          <a:p>
+            <a:pPr lvl="0" marL="0" indent="0">
+              <a:buNone/>
+            </a:pPr>
+          </a:p>
+          <a:p>
+            <a:pPr lvl="0" marL="0" indent="0">
+              <a:buNone/>
+            </a:pPr>
+            <a:r>
+              <a:rPr/>
+              <a:t>Once</a:t>
+            </a:r>
+            <a:r>
+              <a:rPr/>
+              <a:t> </a:t>
+            </a:r>
+            <a:r>
+              <a:rPr/>
+              <a:t>you</a:t>
+            </a:r>
+            <a:r>
+              <a:rPr/>
+              <a:t> </a:t>
+            </a:r>
+            <a:r>
+              <a:rPr/>
+              <a:t>establish</a:t>
+            </a:r>
+            <a:r>
+              <a:rPr/>
+              <a:t> </a:t>
+            </a:r>
+            <a:r>
+              <a:rPr/>
+              <a:t>a</a:t>
+            </a:r>
+            <a:r>
+              <a:rPr/>
+              <a:t> </a:t>
+            </a:r>
+            <a:r>
+              <a:rPr/>
+              <a:t>two-part</a:t>
+            </a:r>
+            <a:r>
+              <a:rPr/>
+              <a:t> </a:t>
+            </a:r>
+            <a:r>
+              <a:rPr/>
+              <a:t>name</a:t>
+            </a:r>
+            <a:r>
+              <a:rPr/>
+              <a:t> </a:t>
+            </a:r>
+            <a:r>
+              <a:rPr/>
+              <a:t>for</a:t>
+            </a:r>
+            <a:r>
+              <a:rPr/>
+              <a:t> </a:t>
+            </a:r>
+            <a:r>
+              <a:rPr/>
+              <a:t>a</a:t>
+            </a:r>
+            <a:r>
+              <a:rPr/>
+              <a:t> </a:t>
+            </a:r>
+            <a:r>
+              <a:rPr/>
+              <a:t>dataset,</a:t>
+            </a:r>
+            <a:r>
+              <a:rPr/>
+              <a:t> </a:t>
+            </a:r>
+            <a:r>
+              <a:rPr/>
+              <a:t>you</a:t>
+            </a:r>
+            <a:r>
+              <a:rPr/>
+              <a:t> </a:t>
+            </a:r>
+            <a:r>
+              <a:rPr/>
+              <a:t>assure</a:t>
+            </a:r>
+            <a:r>
+              <a:rPr/>
+              <a:t> </a:t>
+            </a:r>
+            <a:r>
+              <a:rPr/>
+              <a:t>that</a:t>
+            </a:r>
+            <a:r>
+              <a:rPr/>
+              <a:t> </a:t>
+            </a:r>
+            <a:r>
+              <a:rPr/>
+              <a:t>it</a:t>
+            </a:r>
+            <a:r>
+              <a:rPr/>
+              <a:t> </a:t>
+            </a:r>
+            <a:r>
+              <a:rPr/>
+              <a:t>is</a:t>
+            </a:r>
+            <a:r>
+              <a:rPr/>
+              <a:t> </a:t>
+            </a:r>
+            <a:r>
+              <a:rPr/>
+              <a:t>stored</a:t>
+            </a:r>
+            <a:r>
+              <a:rPr/>
+              <a:t> </a:t>
+            </a:r>
+            <a:r>
+              <a:rPr/>
+              <a:t>for</a:t>
+            </a:r>
+            <a:r>
+              <a:rPr/>
+              <a:t> </a:t>
+            </a:r>
+            <a:r>
+              <a:rPr/>
+              <a:t>later</a:t>
+            </a:r>
+            <a:r>
+              <a:rPr/>
+              <a:t> </a:t>
+            </a:r>
+            <a:r>
+              <a:rPr/>
+              <a:t>re-use.</a:t>
+            </a:r>
+          </a:p>
+        </p:txBody>
+      </p:sp>
+      <p:sp>
+        <p:nvSpPr>
+          <p:cNvPr id="4" name="Slide Number Placeholder 3"/>
+          <p:cNvSpPr>
+            <a:spLocks noGrp="1"/>
+          </p:cNvSpPr>
+          <p:nvPr>
+            <p:ph type="sldNum" sz="quarter" idx="10"/>
+          </p:nvPr>
+        </p:nvSpPr>
+        <p:spPr/>
+        <p:txBody>
+          <a:bodyPr/>
+          <a:lstStyle/>
+          <a:p>
+            <a:fld id="{18BDFEC3-8487-43E8-A154-7C12CBC1FFF2}" type="slidenum">
+              <a:rPr lang="en-US"/>
+              <a:t>7</a:t>
+            </a:fld>
+            <a:endParaRPr lang="en-US"/>
+          </a:p>
+        </p:txBody>
+      </p:sp>
+    </p:spTree>
+  </p:cSld>
+</p:notes>
+</file>
+
+<file path=ppt/notesSlides/notesSlide6.xml><?xml version="1.0" encoding="utf-8"?>
+<p:notes xmlns:a="http://schemas.openxmlformats.org/drawingml/2006/main" xmlns:r="http://schemas.openxmlformats.org/officeDocument/2006/relationships" xmlns:p="http://schemas.openxmlformats.org/presentationml/2006/main">
+  <p:cSld>
+    <p:spTree>
+      <p:nvGrpSpPr>
+        <p:cNvPr id="1" name=""/>
+        <p:cNvGrpSpPr/>
+        <p:nvPr/>
+      </p:nvGrpSpPr>
+      <p:grpSpPr>
+        <a:xfrm>
+          <a:off x="0" y="0"/>
+          <a:ext cx="0" cy="0"/>
+          <a:chOff x="0" y="0"/>
+          <a:chExt cx="0" cy="0"/>
+        </a:xfrm>
+      </p:grpSpPr>
+      <p:sp>
+        <p:nvSpPr>
+          <p:cNvPr id="2" name="Slide Image Placeholder 1"/>
+          <p:cNvSpPr>
+            <a:spLocks noGrp="1" noRot="1" noChangeAspect="1"/>
+          </p:cNvSpPr>
+          <p:nvPr>
+            <p:ph type="sldImg"/>
+          </p:nvPr>
+        </p:nvSpPr>
+        <p:spPr/>
+      </p:sp>
+      <p:sp>
+        <p:nvSpPr>
+          <p:cNvPr id="3" name="Notes Placeholder 2"/>
+          <p:cNvSpPr>
+            <a:spLocks noGrp="1"/>
+          </p:cNvSpPr>
+          <p:nvPr>
+            <p:ph type="body" idx="1"/>
+          </p:nvPr>
+        </p:nvSpPr>
+        <p:spPr/>
+        <p:txBody>
+          <a:bodyPr/>
+          <a:lstStyle/>
+          <a:p>
+            <a:pPr lvl="0" marL="0" indent="0">
+              <a:buNone/>
+            </a:pPr>
+            <a:r>
+              <a:rPr/>
+              <a:t>Once</a:t>
+            </a:r>
+            <a:r>
+              <a:rPr/>
+              <a:t> </a:t>
+            </a:r>
+            <a:r>
+              <a:rPr/>
+              <a:t>you</a:t>
+            </a:r>
+            <a:r>
+              <a:rPr/>
+              <a:t> </a:t>
+            </a:r>
+            <a:r>
+              <a:rPr/>
+              <a:t>establish</a:t>
+            </a:r>
+            <a:r>
+              <a:rPr/>
+              <a:t> </a:t>
+            </a:r>
+            <a:r>
+              <a:rPr/>
+              <a:t>a</a:t>
+            </a:r>
+            <a:r>
+              <a:rPr/>
+              <a:t> </a:t>
+            </a:r>
+            <a:r>
+              <a:rPr/>
+              <a:t>two-part</a:t>
+            </a:r>
+            <a:r>
+              <a:rPr/>
+              <a:t> </a:t>
+            </a:r>
+            <a:r>
+              <a:rPr/>
+              <a:t>name,</a:t>
+            </a:r>
+            <a:r>
+              <a:rPr/>
+              <a:t> </a:t>
+            </a:r>
+            <a:r>
+              <a:rPr/>
+              <a:t>use</a:t>
+            </a:r>
+            <a:r>
+              <a:rPr/>
+              <a:t> </a:t>
+            </a:r>
+            <a:r>
+              <a:rPr/>
+              <a:t>it</a:t>
+            </a:r>
+            <a:r>
+              <a:rPr/>
+              <a:t> </a:t>
+            </a:r>
+            <a:r>
+              <a:rPr/>
+              <a:t>everywhere.</a:t>
+            </a:r>
+          </a:p>
+        </p:txBody>
+      </p:sp>
+      <p:sp>
+        <p:nvSpPr>
+          <p:cNvPr id="4" name="Slide Number Placeholder 3"/>
+          <p:cNvSpPr>
+            <a:spLocks noGrp="1"/>
+          </p:cNvSpPr>
+          <p:nvPr>
+            <p:ph type="sldNum" sz="quarter" idx="10"/>
+          </p:nvPr>
+        </p:nvSpPr>
+        <p:spPr/>
+        <p:txBody>
+          <a:bodyPr/>
+          <a:lstStyle/>
+          <a:p>
+            <a:fld id="{18BDFEC3-8487-43E8-A154-7C12CBC1FFF2}" type="slidenum">
+              <a:rPr lang="en-US"/>
+              <a:t>8</a:t>
             </a:fld>
             <a:endParaRPr lang="en-US"/>
           </a:p>
@@ -5680,6 +7322,421 @@
 </p:sld>
 </file>
 
+<file path=ppt/slides/slide10.xml><?xml version="1.0" encoding="utf-8"?>
+<p:sld xmlns:a="http://schemas.openxmlformats.org/drawingml/2006/main" xmlns:r="http://schemas.openxmlformats.org/officeDocument/2006/relationships" xmlns:p="http://schemas.openxmlformats.org/presentationml/2006/main">
+  <p:cSld>
+    <p:spTree>
+      <p:nvGrpSpPr>
+        <p:cNvPr id="1" name=""/>
+        <p:cNvGrpSpPr/>
+        <p:nvPr/>
+      </p:nvGrpSpPr>
+      <p:grpSpPr>
+        <a:xfrm>
+          <a:off x="0" y="0"/>
+          <a:ext cx="0" cy="0"/>
+          <a:chOff x="0" y="0"/>
+          <a:chExt cx="0" cy="0"/>
+        </a:xfrm>
+      </p:grpSpPr>
+      <p:sp>
+        <p:nvSpPr>
+          <p:cNvPr id="2" name="Title 1"/>
+          <p:cNvSpPr>
+            <a:spLocks noGrp="1"/>
+          </p:cNvSpPr>
+          <p:nvPr>
+            <p:ph type="title"/>
+          </p:nvPr>
+        </p:nvSpPr>
+        <p:spPr/>
+        <p:txBody>
+          <a:bodyPr/>
+          <a:lstStyle/>
+          <a:p>
+            <a:pPr lvl="0" marL="0" indent="0">
+              <a:buNone/>
+            </a:pPr>
+            <a:r>
+              <a:rPr/>
+              <a:t>Re-using</a:t>
+            </a:r>
+            <a:r>
+              <a:rPr/>
+              <a:t> </a:t>
+            </a:r>
+            <a:r>
+              <a:rPr/>
+              <a:t>data</a:t>
+            </a:r>
+            <a:r>
+              <a:rPr/>
+              <a:t> </a:t>
+            </a:r>
+            <a:r>
+              <a:rPr/>
+              <a:t>in</a:t>
+            </a:r>
+            <a:r>
+              <a:rPr/>
+              <a:t> </a:t>
+            </a:r>
+            <a:r>
+              <a:rPr/>
+              <a:t>permanent</a:t>
+            </a:r>
+            <a:r>
+              <a:rPr/>
+              <a:t> </a:t>
+            </a:r>
+            <a:r>
+              <a:rPr/>
+              <a:t>storage,</a:t>
+            </a:r>
+            <a:r>
+              <a:rPr/>
+              <a:t> </a:t>
+            </a:r>
+            <a:r>
+              <a:rPr/>
+              <a:t>part</a:t>
+            </a:r>
+            <a:r>
+              <a:rPr/>
+              <a:t> </a:t>
+            </a:r>
+            <a:r>
+              <a:rPr/>
+              <a:t>2</a:t>
+            </a:r>
+          </a:p>
+        </p:txBody>
+      </p:sp>
+      <p:sp>
+        <p:nvSpPr>
+          <p:cNvPr id="3" name="Content Placeholder 2"/>
+          <p:cNvSpPr>
+            <a:spLocks noGrp="1"/>
+          </p:cNvSpPr>
+          <p:nvPr>
+            <p:ph idx="1"/>
+          </p:nvPr>
+        </p:nvSpPr>
+        <p:spPr/>
+        <p:txBody>
+          <a:bodyPr/>
+          <a:lstStyle/>
+          <a:p>
+            <a:pPr lvl="0" marL="1270000" indent="0">
+              <a:buNone/>
+            </a:pPr>
+            <a:r>
+              <a:rPr sz="1800">
+                <a:latin typeface="Courier"/>
+              </a:rPr>
+              <a:t>libname perm "q:/Documents/results";
+proc print
+    data=perm.simple_example(obs=1);
+  title1 "First row";
+run;</a:t>
+            </a:r>
+          </a:p>
+        </p:txBody>
+      </p:sp>
+    </p:spTree>
+  </p:cSld>
+</p:sld>
+</file>
+
+<file path=ppt/slides/slide11.xml><?xml version="1.0" encoding="utf-8"?>
+<p:sld xmlns:a="http://schemas.openxmlformats.org/drawingml/2006/main" xmlns:r="http://schemas.openxmlformats.org/officeDocument/2006/relationships" xmlns:p="http://schemas.openxmlformats.org/presentationml/2006/main">
+  <p:cSld>
+    <p:spTree>
+      <p:nvGrpSpPr>
+        <p:cNvPr id="1" name=""/>
+        <p:cNvGrpSpPr/>
+        <p:nvPr/>
+      </p:nvGrpSpPr>
+      <p:grpSpPr>
+        <a:xfrm>
+          <a:off x="0" y="0"/>
+          <a:ext cx="0" cy="0"/>
+          <a:chOff x="0" y="0"/>
+          <a:chExt cx="0" cy="0"/>
+        </a:xfrm>
+      </p:grpSpPr>
+      <p:sp>
+        <p:nvSpPr>
+          <p:cNvPr id="2" name="Title 1"/>
+          <p:cNvSpPr>
+            <a:spLocks noGrp="1"/>
+          </p:cNvSpPr>
+          <p:nvPr>
+            <p:ph type="title"/>
+          </p:nvPr>
+        </p:nvSpPr>
+        <p:spPr/>
+        <p:txBody>
+          <a:bodyPr/>
+          <a:lstStyle/>
+          <a:p>
+            <a:pPr lvl="0" marL="0" indent="0">
+              <a:buNone/>
+            </a:pPr>
+            <a:r>
+              <a:rPr/>
+              <a:t>Break</a:t>
+            </a:r>
+            <a:r>
+              <a:rPr/>
+              <a:t> </a:t>
+            </a:r>
+            <a:r>
+              <a:rPr/>
+              <a:t>#2</a:t>
+            </a:r>
+          </a:p>
+        </p:txBody>
+      </p:sp>
+      <p:sp>
+        <p:nvSpPr>
+          <p:cNvPr id="3" name="Content Placeholder 2"/>
+          <p:cNvSpPr>
+            <a:spLocks noGrp="1"/>
+          </p:cNvSpPr>
+          <p:nvPr>
+            <p:ph idx="1"/>
+          </p:nvPr>
+        </p:nvSpPr>
+        <p:spPr/>
+        <p:txBody>
+          <a:bodyPr/>
+          <a:lstStyle/>
+          <a:p>
+            <a:pPr lvl="1"/>
+            <a:r>
+              <a:rPr/>
+              <a:t>What have you learned</a:t>
+            </a:r>
+          </a:p>
+          <a:p>
+            <a:pPr lvl="2"/>
+            <a:r>
+              <a:rPr/>
+              <a:t>Permanent storage</a:t>
+            </a:r>
+          </a:p>
+          <a:p>
+            <a:pPr lvl="1"/>
+            <a:r>
+              <a:rPr/>
+              <a:t>What’s coming next</a:t>
+            </a:r>
+          </a:p>
+          <a:p>
+            <a:pPr lvl="2"/>
+            <a:r>
+              <a:rPr/>
+              <a:t>Saving your output</a:t>
+            </a:r>
+          </a:p>
+          <a:p>
+            <a:pPr lvl="2"/>
+            <a:r>
+              <a:rPr/>
+              <a:t>m01-saved-pdf.sas</a:t>
+            </a:r>
+          </a:p>
+          <a:p>
+            <a:pPr lvl="2"/>
+            <a:r>
+              <a:rPr/>
+              <a:t>m01-saved-pdf.sas</a:t>
+            </a:r>
+          </a:p>
+        </p:txBody>
+      </p:sp>
+    </p:spTree>
+  </p:cSld>
+</p:sld>
+</file>
+
+<file path=ppt/slides/slide12.xml><?xml version="1.0" encoding="utf-8"?>
+<p:sld xmlns:a="http://schemas.openxmlformats.org/drawingml/2006/main" xmlns:r="http://schemas.openxmlformats.org/officeDocument/2006/relationships" xmlns:p="http://schemas.openxmlformats.org/presentationml/2006/main">
+  <p:cSld>
+    <p:spTree>
+      <p:nvGrpSpPr>
+        <p:cNvPr id="1" name=""/>
+        <p:cNvGrpSpPr/>
+        <p:nvPr/>
+      </p:nvGrpSpPr>
+      <p:grpSpPr>
+        <a:xfrm>
+          <a:off x="0" y="0"/>
+          <a:ext cx="0" cy="0"/>
+          <a:chOff x="0" y="0"/>
+          <a:chExt cx="0" cy="0"/>
+        </a:xfrm>
+      </p:grpSpPr>
+      <p:sp>
+        <p:nvSpPr>
+          <p:cNvPr id="2" name="Title 1"/>
+          <p:cNvSpPr>
+            <a:spLocks noGrp="1"/>
+          </p:cNvSpPr>
+          <p:nvPr>
+            <p:ph type="title"/>
+          </p:nvPr>
+        </p:nvSpPr>
+        <p:spPr/>
+        <p:txBody>
+          <a:bodyPr/>
+          <a:lstStyle/>
+          <a:p>
+            <a:pPr lvl="0" marL="0" indent="0">
+              <a:buNone/>
+            </a:pPr>
+            <a:r>
+              <a:rPr/>
+              <a:t>Break</a:t>
+            </a:r>
+            <a:r>
+              <a:rPr/>
+              <a:t> </a:t>
+            </a:r>
+            <a:r>
+              <a:rPr/>
+              <a:t>#3</a:t>
+            </a:r>
+          </a:p>
+        </p:txBody>
+      </p:sp>
+      <p:sp>
+        <p:nvSpPr>
+          <p:cNvPr id="3" name="Content Placeholder 2"/>
+          <p:cNvSpPr>
+            <a:spLocks noGrp="1"/>
+          </p:cNvSpPr>
+          <p:nvPr>
+            <p:ph idx="1"/>
+          </p:nvPr>
+        </p:nvSpPr>
+        <p:spPr/>
+        <p:txBody>
+          <a:bodyPr/>
+          <a:lstStyle/>
+          <a:p>
+            <a:pPr lvl="1"/>
+            <a:r>
+              <a:rPr/>
+              <a:t>What have you learned</a:t>
+            </a:r>
+          </a:p>
+          <a:p>
+            <a:pPr lvl="2"/>
+            <a:r>
+              <a:rPr/>
+              <a:t>Saving your output</a:t>
+            </a:r>
+          </a:p>
+          <a:p>
+            <a:pPr lvl="1"/>
+            <a:r>
+              <a:rPr/>
+              <a:t>What’s coming next</a:t>
+            </a:r>
+          </a:p>
+          <a:p>
+            <a:pPr lvl="2"/>
+            <a:r>
+              <a:rPr/>
+              <a:t>Getting data from a file</a:t>
+            </a:r>
+          </a:p>
+          <a:p>
+            <a:pPr lvl="2"/>
+            <a:r>
+              <a:rPr/>
+              <a:t>m01-input-text.sas</a:t>
+            </a:r>
+          </a:p>
+        </p:txBody>
+      </p:sp>
+    </p:spTree>
+  </p:cSld>
+</p:sld>
+</file>
+
+<file path=ppt/slides/slide13.xml><?xml version="1.0" encoding="utf-8"?>
+<p:sld xmlns:a="http://schemas.openxmlformats.org/drawingml/2006/main" xmlns:r="http://schemas.openxmlformats.org/officeDocument/2006/relationships" xmlns:p="http://schemas.openxmlformats.org/presentationml/2006/main">
+  <p:cSld>
+    <p:spTree>
+      <p:nvGrpSpPr>
+        <p:cNvPr id="1" name=""/>
+        <p:cNvGrpSpPr/>
+        <p:nvPr/>
+      </p:nvGrpSpPr>
+      <p:grpSpPr>
+        <a:xfrm>
+          <a:off x="0" y="0"/>
+          <a:ext cx="0" cy="0"/>
+          <a:chOff x="0" y="0"/>
+          <a:chExt cx="0" cy="0"/>
+        </a:xfrm>
+      </p:grpSpPr>
+      <p:sp>
+        <p:nvSpPr>
+          <p:cNvPr id="2" name="Title 1"/>
+          <p:cNvSpPr>
+            <a:spLocks noGrp="1"/>
+          </p:cNvSpPr>
+          <p:nvPr>
+            <p:ph type="title"/>
+          </p:nvPr>
+        </p:nvSpPr>
+        <p:spPr/>
+        <p:txBody>
+          <a:bodyPr/>
+          <a:lstStyle/>
+          <a:p>
+            <a:pPr lvl="0" marL="0" indent="0">
+              <a:buNone/>
+            </a:pPr>
+            <a:r>
+              <a:rPr/>
+              <a:t>Summary</a:t>
+            </a:r>
+          </a:p>
+        </p:txBody>
+      </p:sp>
+      <p:sp>
+        <p:nvSpPr>
+          <p:cNvPr id="3" name="Content Placeholder 2"/>
+          <p:cNvSpPr>
+            <a:spLocks noGrp="1"/>
+          </p:cNvSpPr>
+          <p:nvPr>
+            <p:ph idx="1"/>
+          </p:nvPr>
+        </p:nvSpPr>
+        <p:spPr/>
+        <p:txBody>
+          <a:bodyPr/>
+          <a:lstStyle/>
+          <a:p>
+            <a:pPr lvl="1"/>
+            <a:r>
+              <a:rPr/>
+              <a:t>What have you learned</a:t>
+            </a:r>
+          </a:p>
+        </p:txBody>
+      </p:sp>
+    </p:spTree>
+  </p:cSld>
+</p:sld>
+</file>
+
 <file path=ppt/slides/slide2.xml><?xml version="1.0" encoding="utf-8"?>
 <p:sld xmlns:a="http://schemas.openxmlformats.org/drawingml/2006/main" xmlns:r="http://schemas.openxmlformats.org/officeDocument/2006/relationships" xmlns:p="http://schemas.openxmlformats.org/presentationml/2006/main">
   <p:cSld>
@@ -5768,7 +7825,7 @@
               <a:rPr sz="1800">
                 <a:latin typeface="Courier"/>
               </a:rPr>
-              <a:t>* m01-5507-[put your name here]-basic-program.sas
+              <a:t>* m01-5507-[put your name here]-basic-progrm.sas
 * author: Steve Simon and [put your name here]
 * date: created 2021-05-30
 * purpose: to read and print a small data set
@@ -6144,23 +8201,31 @@
             </a:pPr>
             <a:r>
               <a:rPr/>
-              <a:t>The</a:t>
-            </a:r>
-            <a:r>
-              <a:rPr/>
-              <a:t> </a:t>
-            </a:r>
-            <a:r>
-              <a:rPr/>
-              <a:t>libname</a:t>
-            </a:r>
-            <a:r>
-              <a:rPr/>
-              <a:t> </a:t>
-            </a:r>
-            <a:r>
-              <a:rPr/>
-              <a:t>statement</a:t>
+              <a:t>Permanent</a:t>
+            </a:r>
+            <a:r>
+              <a:rPr/>
+              <a:t> </a:t>
+            </a:r>
+            <a:r>
+              <a:rPr/>
+              <a:t>storage,</a:t>
+            </a:r>
+            <a:r>
+              <a:rPr/>
+              <a:t> </a:t>
+            </a:r>
+            <a:r>
+              <a:rPr/>
+              <a:t>part</a:t>
+            </a:r>
+            <a:r>
+              <a:rPr/>
+              <a:t> </a:t>
+            </a:r>
+            <a:r>
+              <a:rPr/>
+              <a:t>1</a:t>
             </a:r>
           </a:p>
         </p:txBody>
@@ -6187,7 +8252,11 @@
               <a:rPr sz="1800">
                 <a:latin typeface="Courier"/>
               </a:rPr>
-              <a:t>libname perm "q:/Documents/results";</a:t>
+              <a:t>* m01-5507-simon-permanent-storage.sas
+* author: Steve Simon
+* date: created 2021-05-30
+* purpose: to store a data set in a permanent location
+* license: public domain;</a:t>
             </a:r>
           </a:p>
         </p:txBody>
@@ -6234,15 +8303,31 @@
             </a:pPr>
             <a:r>
               <a:rPr/>
-              <a:t>Break</a:t>
-            </a:r>
-            <a:r>
-              <a:rPr/>
-              <a:t> </a:t>
-            </a:r>
-            <a:r>
-              <a:rPr/>
-              <a:t>#2</a:t>
+              <a:t>Permanent</a:t>
+            </a:r>
+            <a:r>
+              <a:rPr/>
+              <a:t> </a:t>
+            </a:r>
+            <a:r>
+              <a:rPr/>
+              <a:t>storage,</a:t>
+            </a:r>
+            <a:r>
+              <a:rPr/>
+              <a:t> </a:t>
+            </a:r>
+            <a:r>
+              <a:rPr/>
+              <a:t>part</a:t>
+            </a:r>
+            <a:r>
+              <a:rPr/>
+              <a:t> </a:t>
+            </a:r>
+            <a:r>
+              <a:rPr/>
+              <a:t>2</a:t>
             </a:r>
           </a:p>
         </p:txBody>
@@ -6262,45 +8347,21 @@
           <a:bodyPr/>
           <a:lstStyle/>
           <a:p>
-            <a:pPr lvl="1"/>
-            <a:r>
-              <a:rPr/>
-              <a:t>What have you learned</a:t>
-            </a:r>
-          </a:p>
-          <a:p>
-            <a:pPr lvl="2"/>
-            <a:r>
-              <a:rPr/>
-              <a:t>Permanent storage</a:t>
-            </a:r>
-          </a:p>
-          <a:p>
-            <a:pPr lvl="1"/>
-            <a:r>
-              <a:rPr/>
-              <a:t>What’s coming next</a:t>
-            </a:r>
-          </a:p>
-          <a:p>
-            <a:pPr lvl="2"/>
-            <a:r>
-              <a:rPr/>
-              <a:t>Saving your output</a:t>
-            </a:r>
-          </a:p>
-          <a:p>
-            <a:pPr lvl="2"/>
-            <a:r>
-              <a:rPr/>
-              <a:t>m01-saved-pdf.sas</a:t>
-            </a:r>
-          </a:p>
-          <a:p>
-            <a:pPr lvl="2"/>
-            <a:r>
-              <a:rPr/>
-              <a:t>m01-saved-pdf.sas</a:t>
+            <a:pPr lvl="0" marL="1270000" indent="0">
+              <a:buNone/>
+            </a:pPr>
+            <a:r>
+              <a:rPr sz="1800">
+                <a:latin typeface="Courier"/>
+              </a:rPr>
+              <a:t>libname perm "../data";
+data perm.simple_example;
+  input x y;
+datalines;
+1 2
+2 4
+3 6
+;</a:t>
             </a:r>
           </a:p>
         </p:txBody>
@@ -6347,15 +8408,31 @@
             </a:pPr>
             <a:r>
               <a:rPr/>
-              <a:t>Break</a:t>
-            </a:r>
-            <a:r>
-              <a:rPr/>
-              <a:t> </a:t>
-            </a:r>
-            <a:r>
-              <a:rPr/>
-              <a:t>#3</a:t>
+              <a:t>Permanent</a:t>
+            </a:r>
+            <a:r>
+              <a:rPr/>
+              <a:t> </a:t>
+            </a:r>
+            <a:r>
+              <a:rPr/>
+              <a:t>storage,</a:t>
+            </a:r>
+            <a:r>
+              <a:rPr/>
+              <a:t> </a:t>
+            </a:r>
+            <a:r>
+              <a:rPr/>
+              <a:t>part</a:t>
+            </a:r>
+            <a:r>
+              <a:rPr/>
+              <a:t> </a:t>
+            </a:r>
+            <a:r>
+              <a:rPr/>
+              <a:t>3</a:t>
             </a:r>
           </a:p>
         </p:txBody>
@@ -6375,38 +8452,17 @@
           <a:bodyPr/>
           <a:lstStyle/>
           <a:p>
-            <a:pPr lvl="1"/>
-            <a:r>
-              <a:rPr/>
-              <a:t>What have you learned</a:t>
-            </a:r>
-          </a:p>
-          <a:p>
-            <a:pPr lvl="2"/>
-            <a:r>
-              <a:rPr/>
-              <a:t>Saving your output</a:t>
-            </a:r>
-          </a:p>
-          <a:p>
-            <a:pPr lvl="1"/>
-            <a:r>
-              <a:rPr/>
-              <a:t>What’s coming next</a:t>
-            </a:r>
-          </a:p>
-          <a:p>
-            <a:pPr lvl="2"/>
-            <a:r>
-              <a:rPr/>
-              <a:t>Getting data from a file</a:t>
-            </a:r>
-          </a:p>
-          <a:p>
-            <a:pPr lvl="2"/>
-            <a:r>
-              <a:rPr/>
-              <a:t>m01-input-text.sas</a:t>
+            <a:pPr lvl="0" marL="1270000" indent="0">
+              <a:buNone/>
+            </a:pPr>
+            <a:r>
+              <a:rPr sz="1800">
+                <a:latin typeface="Courier"/>
+              </a:rPr>
+              <a:t>proc print
+    data=perm.simple_example(obs=1);
+  title1 "First row";
+run;</a:t>
             </a:r>
           </a:p>
         </p:txBody>
@@ -6453,7 +8509,55 @@
             </a:pPr>
             <a:r>
               <a:rPr/>
-              <a:t>Summary</a:t>
+              <a:t>Re-using</a:t>
+            </a:r>
+            <a:r>
+              <a:rPr/>
+              <a:t> </a:t>
+            </a:r>
+            <a:r>
+              <a:rPr/>
+              <a:t>data</a:t>
+            </a:r>
+            <a:r>
+              <a:rPr/>
+              <a:t> </a:t>
+            </a:r>
+            <a:r>
+              <a:rPr/>
+              <a:t>in</a:t>
+            </a:r>
+            <a:r>
+              <a:rPr/>
+              <a:t> </a:t>
+            </a:r>
+            <a:r>
+              <a:rPr/>
+              <a:t>permanent</a:t>
+            </a:r>
+            <a:r>
+              <a:rPr/>
+              <a:t> </a:t>
+            </a:r>
+            <a:r>
+              <a:rPr/>
+              <a:t>storage,</a:t>
+            </a:r>
+            <a:r>
+              <a:rPr/>
+              <a:t> </a:t>
+            </a:r>
+            <a:r>
+              <a:rPr/>
+              <a:t>part</a:t>
+            </a:r>
+            <a:r>
+              <a:rPr/>
+              <a:t> </a:t>
+            </a:r>
+            <a:r>
+              <a:rPr/>
+              <a:t>1</a:t>
             </a:r>
           </a:p>
         </p:txBody>
@@ -6473,10 +8577,14 @@
           <a:bodyPr/>
           <a:lstStyle/>
           <a:p>
-            <a:pPr lvl="1"/>
-            <a:r>
-              <a:rPr/>
-              <a:t>What have you learned</a:t>
+            <a:pPr lvl="0" marL="1270000" indent="0">
+              <a:buNone/>
+            </a:pPr>
+            <a:r>
+              <a:rPr sz="1800">
+                <a:latin typeface="Courier"/>
+              </a:rPr>
+              <a:t>* re-use.sas </a:t>
             </a:r>
           </a:p>
         </p:txBody>
